--- a/RIFT-Hackathon.pptx
+++ b/RIFT-Hackathon.pptx
@@ -7057,7 +7057,15 @@
           <a:p>
             <a:r>
               <a:rPr lang="en-US" sz="3200" dirty="0" smtClean="0"/>
-              <a:t>Large number of comments on the models and draft procedures</a:t>
+              <a:t>Large number of comments on the models, </a:t>
+            </a:r>
+            <a:r>
+              <a:rPr lang="en-US" sz="3200" smtClean="0"/>
+              <a:t>finite state machines </a:t>
+            </a:r>
+            <a:r>
+              <a:rPr lang="en-US" sz="3200" dirty="0" smtClean="0"/>
+              <a:t>and draft procedures</a:t>
             </a:r>
             <a:endParaRPr lang="en-US" sz="3200" dirty="0"/>
           </a:p>
